--- a/Mid Point Pre.pptx
+++ b/Mid Point Pre.pptx
@@ -3305,7 +3305,7 @@
           <a:p>
             <a:fld id="{1A2C1C45-8F03-4C55-95C8-5035834EE5BD}" type="datetimeFigureOut">
               <a:rPr lang="zh-CN" altLang="en-US" smtClean="0"/>
-              <a:t>2022/3/17</a:t>
+              <a:t>2022/3/18</a:t>
             </a:fld>
             <a:endParaRPr lang="zh-CN" altLang="en-US"/>
           </a:p>
@@ -3617,6 +3617,94 @@
           <a:bodyPr/>
           <a:lstStyle/>
           <a:p>
+            <a:r>
+              <a:rPr lang="en-US" altLang="zh-CN" dirty="0"/>
+              <a:t>I made some changes to the project name. The previous one is identifying the overbuilt shopping centers. But whether a mall is overbuilt or not depends on the market demand which is dynamic and hard to prove. Therefore, I change the title to XXXX.</a:t>
+            </a:r>
+            <a:endParaRPr lang="zh-CN" altLang="en-US" dirty="0"/>
+          </a:p>
+        </p:txBody>
+      </p:sp>
+      <p:sp>
+        <p:nvSpPr>
+          <p:cNvPr id="4" name="Slide Number Placeholder 3"/>
+          <p:cNvSpPr>
+            <a:spLocks noGrp="1"/>
+          </p:cNvSpPr>
+          <p:nvPr>
+            <p:ph type="sldNum" sz="quarter" idx="5"/>
+          </p:nvPr>
+        </p:nvSpPr>
+        <p:spPr/>
+        <p:txBody>
+          <a:bodyPr/>
+          <a:lstStyle/>
+          <a:p>
+            <a:fld id="{2F42788B-738F-4507-BCDD-9561930E3BEF}" type="slidenum">
+              <a:rPr lang="zh-CN" altLang="en-US" smtClean="0"/>
+              <a:t>1</a:t>
+            </a:fld>
+            <a:endParaRPr lang="zh-CN" altLang="en-US"/>
+          </a:p>
+        </p:txBody>
+      </p:sp>
+    </p:spTree>
+    <p:extLst>
+      <p:ext uri="{BB962C8B-B14F-4D97-AF65-F5344CB8AC3E}">
+        <p14:creationId xmlns:p14="http://schemas.microsoft.com/office/powerpoint/2010/main" val="388160204"/>
+      </p:ext>
+    </p:extLst>
+  </p:cSld>
+  <p:clrMapOvr>
+    <a:masterClrMapping/>
+  </p:clrMapOvr>
+</p:notes>
+</file>
+
+<file path=ppt/notesSlides/notesSlide2.xml><?xml version="1.0" encoding="utf-8"?>
+<p:notes xmlns:a="http://schemas.openxmlformats.org/drawingml/2006/main" xmlns:r="http://schemas.openxmlformats.org/officeDocument/2006/relationships" xmlns:p="http://schemas.openxmlformats.org/presentationml/2006/main">
+  <p:cSld>
+    <p:spTree>
+      <p:nvGrpSpPr>
+        <p:cNvPr id="1" name=""/>
+        <p:cNvGrpSpPr/>
+        <p:nvPr/>
+      </p:nvGrpSpPr>
+      <p:grpSpPr>
+        <a:xfrm>
+          <a:off x="0" y="0"/>
+          <a:ext cx="0" cy="0"/>
+          <a:chOff x="0" y="0"/>
+          <a:chExt cx="0" cy="0"/>
+        </a:xfrm>
+      </p:grpSpPr>
+      <p:sp>
+        <p:nvSpPr>
+          <p:cNvPr id="2" name="Slide Image Placeholder 1"/>
+          <p:cNvSpPr>
+            <a:spLocks noGrp="1" noRot="1" noChangeAspect="1"/>
+          </p:cNvSpPr>
+          <p:nvPr>
+            <p:ph type="sldImg"/>
+          </p:nvPr>
+        </p:nvSpPr>
+        <p:spPr/>
+      </p:sp>
+      <p:sp>
+        <p:nvSpPr>
+          <p:cNvPr id="3" name="Notes Placeholder 2"/>
+          <p:cNvSpPr>
+            <a:spLocks noGrp="1"/>
+          </p:cNvSpPr>
+          <p:nvPr>
+            <p:ph type="body" idx="1"/>
+          </p:nvPr>
+        </p:nvSpPr>
+        <p:spPr/>
+        <p:txBody>
+          <a:bodyPr/>
+          <a:lstStyle/>
+          <a:p>
             <a:pPr marL="0" marR="0" lvl="0" indent="0" algn="l" defTabSz="914400" rtl="0" eaLnBrk="1" fontAlgn="auto" latinLnBrk="0" hangingPunct="1">
               <a:lnSpc>
                 <a:spcPct val="100000"/>
@@ -3635,11 +3723,15 @@
               <a:defRPr/>
             </a:pPr>
             <a:r>
-              <a:rPr lang="en-US" altLang="zh-CN" sz="1200" dirty="0">
+              <a:rPr lang="en-US" altLang="zh-CN" dirty="0"/>
+              <a:t>In Shanghai, the number of shopping centers is booming since 2009 and the vacancy rate increases recent year. Since the market is oversupplied and competitive. There is high operating loss risk and follows with mismatch of operation and location value. </a:t>
+            </a:r>
+            <a:r>
+              <a:rPr lang="en-US" altLang="zh-CN" sz="1200" b="1" dirty="0">
                 <a:latin typeface="微软雅黑" panose="020B0503020204020204" pitchFamily="34" charset="-122"/>
                 <a:ea typeface="微软雅黑" panose="020B0503020204020204" pitchFamily="34" charset="-122"/>
               </a:rPr>
-              <a:t>Commercial real estate market in Shanghai is oversupplied because of rising vacancies, current and future shopping malls may face the risk of operating loss.</a:t>
+              <a:t>Since most of operation data is business secret, how can we quantify two questions above with accessible dataset and perhaps foresee the risk before construction?</a:t>
             </a:r>
           </a:p>
           <a:p>
@@ -3674,6 +3766,446 @@
     <p:extLst>
       <p:ext uri="{BB962C8B-B14F-4D97-AF65-F5344CB8AC3E}">
         <p14:creationId xmlns:p14="http://schemas.microsoft.com/office/powerpoint/2010/main" val="1297080544"/>
+      </p:ext>
+    </p:extLst>
+  </p:cSld>
+  <p:clrMapOvr>
+    <a:masterClrMapping/>
+  </p:clrMapOvr>
+</p:notes>
+</file>
+
+<file path=ppt/notesSlides/notesSlide3.xml><?xml version="1.0" encoding="utf-8"?>
+<p:notes xmlns:a="http://schemas.openxmlformats.org/drawingml/2006/main" xmlns:r="http://schemas.openxmlformats.org/officeDocument/2006/relationships" xmlns:p="http://schemas.openxmlformats.org/presentationml/2006/main">
+  <p:cSld>
+    <p:spTree>
+      <p:nvGrpSpPr>
+        <p:cNvPr id="1" name=""/>
+        <p:cNvGrpSpPr/>
+        <p:nvPr/>
+      </p:nvGrpSpPr>
+      <p:grpSpPr>
+        <a:xfrm>
+          <a:off x="0" y="0"/>
+          <a:ext cx="0" cy="0"/>
+          <a:chOff x="0" y="0"/>
+          <a:chExt cx="0" cy="0"/>
+        </a:xfrm>
+      </p:grpSpPr>
+      <p:sp>
+        <p:nvSpPr>
+          <p:cNvPr id="2" name="Slide Image Placeholder 1"/>
+          <p:cNvSpPr>
+            <a:spLocks noGrp="1" noRot="1" noChangeAspect="1"/>
+          </p:cNvSpPr>
+          <p:nvPr>
+            <p:ph type="sldImg"/>
+          </p:nvPr>
+        </p:nvSpPr>
+        <p:spPr/>
+      </p:sp>
+      <p:sp>
+        <p:nvSpPr>
+          <p:cNvPr id="3" name="Notes Placeholder 2"/>
+          <p:cNvSpPr>
+            <a:spLocks noGrp="1"/>
+          </p:cNvSpPr>
+          <p:nvPr>
+            <p:ph type="body" idx="1"/>
+          </p:nvPr>
+        </p:nvSpPr>
+        <p:spPr/>
+        <p:txBody>
+          <a:bodyPr/>
+          <a:lstStyle/>
+          <a:p>
+            <a:r>
+              <a:rPr lang="en-US" altLang="zh-CN" dirty="0"/>
+              <a:t>The input data includes data of shopping centers, social economics data and urban environment data. The social media data is used to validate accuracy. All input data is historical data before 2020 Social media data used to test accuracy is up to date.</a:t>
+            </a:r>
+            <a:endParaRPr lang="zh-CN" altLang="en-US" dirty="0"/>
+          </a:p>
+        </p:txBody>
+      </p:sp>
+      <p:sp>
+        <p:nvSpPr>
+          <p:cNvPr id="4" name="Slide Number Placeholder 3"/>
+          <p:cNvSpPr>
+            <a:spLocks noGrp="1"/>
+          </p:cNvSpPr>
+          <p:nvPr>
+            <p:ph type="sldNum" sz="quarter" idx="5"/>
+          </p:nvPr>
+        </p:nvSpPr>
+        <p:spPr/>
+        <p:txBody>
+          <a:bodyPr/>
+          <a:lstStyle/>
+          <a:p>
+            <a:fld id="{2F42788B-738F-4507-BCDD-9561930E3BEF}" type="slidenum">
+              <a:rPr lang="zh-CN" altLang="en-US" smtClean="0"/>
+              <a:t>4</a:t>
+            </a:fld>
+            <a:endParaRPr lang="zh-CN" altLang="en-US"/>
+          </a:p>
+        </p:txBody>
+      </p:sp>
+    </p:spTree>
+    <p:extLst>
+      <p:ext uri="{BB962C8B-B14F-4D97-AF65-F5344CB8AC3E}">
+        <p14:creationId xmlns:p14="http://schemas.microsoft.com/office/powerpoint/2010/main" val="3219227930"/>
+      </p:ext>
+    </p:extLst>
+  </p:cSld>
+  <p:clrMapOvr>
+    <a:masterClrMapping/>
+  </p:clrMapOvr>
+</p:notes>
+</file>
+
+<file path=ppt/notesSlides/notesSlide4.xml><?xml version="1.0" encoding="utf-8"?>
+<p:notes xmlns:a="http://schemas.openxmlformats.org/drawingml/2006/main" xmlns:r="http://schemas.openxmlformats.org/officeDocument/2006/relationships" xmlns:p="http://schemas.openxmlformats.org/presentationml/2006/main">
+  <p:cSld>
+    <p:spTree>
+      <p:nvGrpSpPr>
+        <p:cNvPr id="1" name=""/>
+        <p:cNvGrpSpPr/>
+        <p:nvPr/>
+      </p:nvGrpSpPr>
+      <p:grpSpPr>
+        <a:xfrm>
+          <a:off x="0" y="0"/>
+          <a:ext cx="0" cy="0"/>
+          <a:chOff x="0" y="0"/>
+          <a:chExt cx="0" cy="0"/>
+        </a:xfrm>
+      </p:grpSpPr>
+      <p:sp>
+        <p:nvSpPr>
+          <p:cNvPr id="2" name="Slide Image Placeholder 1"/>
+          <p:cNvSpPr>
+            <a:spLocks noGrp="1" noRot="1" noChangeAspect="1"/>
+          </p:cNvSpPr>
+          <p:nvPr>
+            <p:ph type="sldImg"/>
+          </p:nvPr>
+        </p:nvSpPr>
+        <p:spPr/>
+      </p:sp>
+      <p:sp>
+        <p:nvSpPr>
+          <p:cNvPr id="3" name="Notes Placeholder 2"/>
+          <p:cNvSpPr>
+            <a:spLocks noGrp="1"/>
+          </p:cNvSpPr>
+          <p:nvPr>
+            <p:ph type="body" idx="1"/>
+          </p:nvPr>
+        </p:nvSpPr>
+        <p:spPr/>
+        <p:txBody>
+          <a:bodyPr/>
+          <a:lstStyle/>
+          <a:p>
+            <a:endParaRPr lang="zh-CN" altLang="en-US" dirty="0"/>
+          </a:p>
+        </p:txBody>
+      </p:sp>
+      <p:sp>
+        <p:nvSpPr>
+          <p:cNvPr id="4" name="Slide Number Placeholder 3"/>
+          <p:cNvSpPr>
+            <a:spLocks noGrp="1"/>
+          </p:cNvSpPr>
+          <p:nvPr>
+            <p:ph type="sldNum" sz="quarter" idx="5"/>
+          </p:nvPr>
+        </p:nvSpPr>
+        <p:spPr/>
+        <p:txBody>
+          <a:bodyPr/>
+          <a:lstStyle/>
+          <a:p>
+            <a:fld id="{2F42788B-738F-4507-BCDD-9561930E3BEF}" type="slidenum">
+              <a:rPr lang="zh-CN" altLang="en-US" smtClean="0"/>
+              <a:t>5</a:t>
+            </a:fld>
+            <a:endParaRPr lang="zh-CN" altLang="en-US"/>
+          </a:p>
+        </p:txBody>
+      </p:sp>
+    </p:spTree>
+    <p:extLst>
+      <p:ext uri="{BB962C8B-B14F-4D97-AF65-F5344CB8AC3E}">
+        <p14:creationId xmlns:p14="http://schemas.microsoft.com/office/powerpoint/2010/main" val="1818845411"/>
+      </p:ext>
+    </p:extLst>
+  </p:cSld>
+  <p:clrMapOvr>
+    <a:masterClrMapping/>
+  </p:clrMapOvr>
+</p:notes>
+</file>
+
+<file path=ppt/notesSlides/notesSlide5.xml><?xml version="1.0" encoding="utf-8"?>
+<p:notes xmlns:a="http://schemas.openxmlformats.org/drawingml/2006/main" xmlns:r="http://schemas.openxmlformats.org/officeDocument/2006/relationships" xmlns:p="http://schemas.openxmlformats.org/presentationml/2006/main">
+  <p:cSld>
+    <p:spTree>
+      <p:nvGrpSpPr>
+        <p:cNvPr id="1" name=""/>
+        <p:cNvGrpSpPr/>
+        <p:nvPr/>
+      </p:nvGrpSpPr>
+      <p:grpSpPr>
+        <a:xfrm>
+          <a:off x="0" y="0"/>
+          <a:ext cx="0" cy="0"/>
+          <a:chOff x="0" y="0"/>
+          <a:chExt cx="0" cy="0"/>
+        </a:xfrm>
+      </p:grpSpPr>
+      <p:sp>
+        <p:nvSpPr>
+          <p:cNvPr id="2" name="Slide Image Placeholder 1"/>
+          <p:cNvSpPr>
+            <a:spLocks noGrp="1" noRot="1" noChangeAspect="1"/>
+          </p:cNvSpPr>
+          <p:nvPr>
+            <p:ph type="sldImg"/>
+          </p:nvPr>
+        </p:nvSpPr>
+        <p:spPr/>
+      </p:sp>
+      <p:sp>
+        <p:nvSpPr>
+          <p:cNvPr id="3" name="Notes Placeholder 2"/>
+          <p:cNvSpPr>
+            <a:spLocks noGrp="1"/>
+          </p:cNvSpPr>
+          <p:nvPr>
+            <p:ph type="body" idx="1"/>
+          </p:nvPr>
+        </p:nvSpPr>
+        <p:spPr/>
+        <p:txBody>
+          <a:bodyPr/>
+          <a:lstStyle/>
+          <a:p>
+            <a:r>
+              <a:rPr lang="en-US" altLang="zh-CN" dirty="0"/>
+              <a:t>Financial formulas are utilized to calculate the income and cost of each mall. </a:t>
+            </a:r>
+            <a:endParaRPr lang="zh-CN" altLang="en-US" dirty="0"/>
+          </a:p>
+        </p:txBody>
+      </p:sp>
+      <p:sp>
+        <p:nvSpPr>
+          <p:cNvPr id="4" name="Slide Number Placeholder 3"/>
+          <p:cNvSpPr>
+            <a:spLocks noGrp="1"/>
+          </p:cNvSpPr>
+          <p:nvPr>
+            <p:ph type="sldNum" sz="quarter" idx="5"/>
+          </p:nvPr>
+        </p:nvSpPr>
+        <p:spPr/>
+        <p:txBody>
+          <a:bodyPr/>
+          <a:lstStyle/>
+          <a:p>
+            <a:fld id="{2F42788B-738F-4507-BCDD-9561930E3BEF}" type="slidenum">
+              <a:rPr lang="zh-CN" altLang="en-US" smtClean="0"/>
+              <a:t>6</a:t>
+            </a:fld>
+            <a:endParaRPr lang="zh-CN" altLang="en-US"/>
+          </a:p>
+        </p:txBody>
+      </p:sp>
+    </p:spTree>
+    <p:extLst>
+      <p:ext uri="{BB962C8B-B14F-4D97-AF65-F5344CB8AC3E}">
+        <p14:creationId xmlns:p14="http://schemas.microsoft.com/office/powerpoint/2010/main" val="3831866883"/>
+      </p:ext>
+    </p:extLst>
+  </p:cSld>
+  <p:clrMapOvr>
+    <a:masterClrMapping/>
+  </p:clrMapOvr>
+</p:notes>
+</file>
+
+<file path=ppt/notesSlides/notesSlide6.xml><?xml version="1.0" encoding="utf-8"?>
+<p:notes xmlns:a="http://schemas.openxmlformats.org/drawingml/2006/main" xmlns:r="http://schemas.openxmlformats.org/officeDocument/2006/relationships" xmlns:p="http://schemas.openxmlformats.org/presentationml/2006/main">
+  <p:cSld>
+    <p:spTree>
+      <p:nvGrpSpPr>
+        <p:cNvPr id="1" name=""/>
+        <p:cNvGrpSpPr/>
+        <p:nvPr/>
+      </p:nvGrpSpPr>
+      <p:grpSpPr>
+        <a:xfrm>
+          <a:off x="0" y="0"/>
+          <a:ext cx="0" cy="0"/>
+          <a:chOff x="0" y="0"/>
+          <a:chExt cx="0" cy="0"/>
+        </a:xfrm>
+      </p:grpSpPr>
+      <p:sp>
+        <p:nvSpPr>
+          <p:cNvPr id="2" name="Slide Image Placeholder 1"/>
+          <p:cNvSpPr>
+            <a:spLocks noGrp="1" noRot="1" noChangeAspect="1"/>
+          </p:cNvSpPr>
+          <p:nvPr>
+            <p:ph type="sldImg"/>
+          </p:nvPr>
+        </p:nvSpPr>
+        <p:spPr/>
+      </p:sp>
+      <p:sp>
+        <p:nvSpPr>
+          <p:cNvPr id="3" name="Notes Placeholder 2"/>
+          <p:cNvSpPr>
+            <a:spLocks noGrp="1"/>
+          </p:cNvSpPr>
+          <p:nvPr>
+            <p:ph type="body" idx="1"/>
+          </p:nvPr>
+        </p:nvSpPr>
+        <p:spPr/>
+        <p:txBody>
+          <a:bodyPr/>
+          <a:lstStyle/>
+          <a:p>
+            <a:r>
+              <a:rPr lang="en-US" altLang="zh-CN" dirty="0"/>
+              <a:t>The model identified 57 shopping centers with high risk out of almost 400, which accounts for 15 percent. Seeing from the confusion matrix, the overall accuracy is 86%. However, the current model has limited accuracy to identify shopping centers with high loss risk.</a:t>
+            </a:r>
+            <a:endParaRPr lang="zh-CN" altLang="en-US" dirty="0"/>
+          </a:p>
+        </p:txBody>
+      </p:sp>
+      <p:sp>
+        <p:nvSpPr>
+          <p:cNvPr id="4" name="Slide Number Placeholder 3"/>
+          <p:cNvSpPr>
+            <a:spLocks noGrp="1"/>
+          </p:cNvSpPr>
+          <p:nvPr>
+            <p:ph type="sldNum" sz="quarter" idx="5"/>
+          </p:nvPr>
+        </p:nvSpPr>
+        <p:spPr/>
+        <p:txBody>
+          <a:bodyPr/>
+          <a:lstStyle/>
+          <a:p>
+            <a:fld id="{2F42788B-738F-4507-BCDD-9561930E3BEF}" type="slidenum">
+              <a:rPr lang="zh-CN" altLang="en-US" smtClean="0"/>
+              <a:t>8</a:t>
+            </a:fld>
+            <a:endParaRPr lang="zh-CN" altLang="en-US"/>
+          </a:p>
+        </p:txBody>
+      </p:sp>
+    </p:spTree>
+    <p:extLst>
+      <p:ext uri="{BB962C8B-B14F-4D97-AF65-F5344CB8AC3E}">
+        <p14:creationId xmlns:p14="http://schemas.microsoft.com/office/powerpoint/2010/main" val="1594603992"/>
+      </p:ext>
+    </p:extLst>
+  </p:cSld>
+  <p:clrMapOvr>
+    <a:masterClrMapping/>
+  </p:clrMapOvr>
+</p:notes>
+</file>
+
+<file path=ppt/notesSlides/notesSlide7.xml><?xml version="1.0" encoding="utf-8"?>
+<p:notes xmlns:a="http://schemas.openxmlformats.org/drawingml/2006/main" xmlns:r="http://schemas.openxmlformats.org/officeDocument/2006/relationships" xmlns:p="http://schemas.openxmlformats.org/presentationml/2006/main">
+  <p:cSld>
+    <p:spTree>
+      <p:nvGrpSpPr>
+        <p:cNvPr id="1" name=""/>
+        <p:cNvGrpSpPr/>
+        <p:nvPr/>
+      </p:nvGrpSpPr>
+      <p:grpSpPr>
+        <a:xfrm>
+          <a:off x="0" y="0"/>
+          <a:ext cx="0" cy="0"/>
+          <a:chOff x="0" y="0"/>
+          <a:chExt cx="0" cy="0"/>
+        </a:xfrm>
+      </p:grpSpPr>
+      <p:sp>
+        <p:nvSpPr>
+          <p:cNvPr id="2" name="Slide Image Placeholder 1"/>
+          <p:cNvSpPr>
+            <a:spLocks noGrp="1" noRot="1" noChangeAspect="1"/>
+          </p:cNvSpPr>
+          <p:nvPr>
+            <p:ph type="sldImg"/>
+          </p:nvPr>
+        </p:nvSpPr>
+        <p:spPr/>
+      </p:sp>
+      <p:sp>
+        <p:nvSpPr>
+          <p:cNvPr id="3" name="Notes Placeholder 2"/>
+          <p:cNvSpPr>
+            <a:spLocks noGrp="1"/>
+          </p:cNvSpPr>
+          <p:nvPr>
+            <p:ph type="body" idx="1"/>
+          </p:nvPr>
+        </p:nvSpPr>
+        <p:spPr/>
+        <p:txBody>
+          <a:bodyPr/>
+          <a:lstStyle/>
+          <a:p>
+            <a:r>
+              <a:rPr lang="en-US" altLang="zh-CN" dirty="0"/>
+              <a:t>For the next steps, I’ll try to consider the location effect and make some adjustments to the parameters of gravity model. I’ll compare the accuracy of two models and choose a better one. And I will also continue my next goal to analyze the mismatch of location and operation values with entropy method and regression model. </a:t>
+            </a:r>
+            <a:r>
+              <a:rPr lang="en-US" altLang="zh-CN" sz="1200" dirty="0"/>
+              <a:t>Outliers with high location value but low operating value are regarded with redevelopment potential.</a:t>
+            </a:r>
+            <a:endParaRPr lang="zh-CN" altLang="en-US" dirty="0"/>
+          </a:p>
+        </p:txBody>
+      </p:sp>
+      <p:sp>
+        <p:nvSpPr>
+          <p:cNvPr id="4" name="Slide Number Placeholder 3"/>
+          <p:cNvSpPr>
+            <a:spLocks noGrp="1"/>
+          </p:cNvSpPr>
+          <p:nvPr>
+            <p:ph type="sldNum" sz="quarter" idx="5"/>
+          </p:nvPr>
+        </p:nvSpPr>
+        <p:spPr/>
+        <p:txBody>
+          <a:bodyPr/>
+          <a:lstStyle/>
+          <a:p>
+            <a:fld id="{2F42788B-738F-4507-BCDD-9561930E3BEF}" type="slidenum">
+              <a:rPr lang="zh-CN" altLang="en-US" smtClean="0"/>
+              <a:t>10</a:t>
+            </a:fld>
+            <a:endParaRPr lang="zh-CN" altLang="en-US"/>
+          </a:p>
+        </p:txBody>
+      </p:sp>
+    </p:spTree>
+    <p:extLst>
+      <p:ext uri="{BB962C8B-B14F-4D97-AF65-F5344CB8AC3E}">
+        <p14:creationId xmlns:p14="http://schemas.microsoft.com/office/powerpoint/2010/main" val="2428327961"/>
       </p:ext>
     </p:extLst>
   </p:cSld>
@@ -3814,7 +4346,7 @@
           <a:p>
             <a:fld id="{EFA2D7FA-0B25-4E1E-81B4-B0BC00DBCA6E}" type="datetimeFigureOut">
               <a:rPr lang="zh-CN" altLang="en-US" smtClean="0"/>
-              <a:t>2022/3/17</a:t>
+              <a:t>2022/3/18</a:t>
             </a:fld>
             <a:endParaRPr lang="zh-CN" altLang="en-US"/>
           </a:p>
@@ -3984,7 +4516,7 @@
           <a:p>
             <a:fld id="{EFA2D7FA-0B25-4E1E-81B4-B0BC00DBCA6E}" type="datetimeFigureOut">
               <a:rPr lang="zh-CN" altLang="en-US" smtClean="0"/>
-              <a:t>2022/3/17</a:t>
+              <a:t>2022/3/18</a:t>
             </a:fld>
             <a:endParaRPr lang="zh-CN" altLang="en-US"/>
           </a:p>
@@ -4164,7 +4696,7 @@
           <a:p>
             <a:fld id="{EFA2D7FA-0B25-4E1E-81B4-B0BC00DBCA6E}" type="datetimeFigureOut">
               <a:rPr lang="zh-CN" altLang="en-US" smtClean="0"/>
-              <a:t>2022/3/17</a:t>
+              <a:t>2022/3/18</a:t>
             </a:fld>
             <a:endParaRPr lang="zh-CN" altLang="en-US"/>
           </a:p>
@@ -4334,7 +4866,7 @@
           <a:p>
             <a:fld id="{EFA2D7FA-0B25-4E1E-81B4-B0BC00DBCA6E}" type="datetimeFigureOut">
               <a:rPr lang="zh-CN" altLang="en-US" smtClean="0"/>
-              <a:t>2022/3/17</a:t>
+              <a:t>2022/3/18</a:t>
             </a:fld>
             <a:endParaRPr lang="zh-CN" altLang="en-US"/>
           </a:p>
@@ -4578,7 +5110,7 @@
           <a:p>
             <a:fld id="{EFA2D7FA-0B25-4E1E-81B4-B0BC00DBCA6E}" type="datetimeFigureOut">
               <a:rPr lang="zh-CN" altLang="en-US" smtClean="0"/>
-              <a:t>2022/3/17</a:t>
+              <a:t>2022/3/18</a:t>
             </a:fld>
             <a:endParaRPr lang="zh-CN" altLang="en-US"/>
           </a:p>
@@ -4810,7 +5342,7 @@
           <a:p>
             <a:fld id="{EFA2D7FA-0B25-4E1E-81B4-B0BC00DBCA6E}" type="datetimeFigureOut">
               <a:rPr lang="zh-CN" altLang="en-US" smtClean="0"/>
-              <a:t>2022/3/17</a:t>
+              <a:t>2022/3/18</a:t>
             </a:fld>
             <a:endParaRPr lang="zh-CN" altLang="en-US"/>
           </a:p>
@@ -5177,7 +5709,7 @@
           <a:p>
             <a:fld id="{EFA2D7FA-0B25-4E1E-81B4-B0BC00DBCA6E}" type="datetimeFigureOut">
               <a:rPr lang="zh-CN" altLang="en-US" smtClean="0"/>
-              <a:t>2022/3/17</a:t>
+              <a:t>2022/3/18</a:t>
             </a:fld>
             <a:endParaRPr lang="zh-CN" altLang="en-US"/>
           </a:p>
@@ -5295,7 +5827,7 @@
           <a:p>
             <a:fld id="{EFA2D7FA-0B25-4E1E-81B4-B0BC00DBCA6E}" type="datetimeFigureOut">
               <a:rPr lang="zh-CN" altLang="en-US" smtClean="0"/>
-              <a:t>2022/3/17</a:t>
+              <a:t>2022/3/18</a:t>
             </a:fld>
             <a:endParaRPr lang="zh-CN" altLang="en-US"/>
           </a:p>
@@ -5390,7 +5922,7 @@
           <a:p>
             <a:fld id="{EFA2D7FA-0B25-4E1E-81B4-B0BC00DBCA6E}" type="datetimeFigureOut">
               <a:rPr lang="zh-CN" altLang="en-US" smtClean="0"/>
-              <a:t>2022/3/17</a:t>
+              <a:t>2022/3/18</a:t>
             </a:fld>
             <a:endParaRPr lang="zh-CN" altLang="en-US"/>
           </a:p>
@@ -5667,7 +6199,7 @@
           <a:p>
             <a:fld id="{EFA2D7FA-0B25-4E1E-81B4-B0BC00DBCA6E}" type="datetimeFigureOut">
               <a:rPr lang="zh-CN" altLang="en-US" smtClean="0"/>
-              <a:t>2022/3/17</a:t>
+              <a:t>2022/3/18</a:t>
             </a:fld>
             <a:endParaRPr lang="zh-CN" altLang="en-US"/>
           </a:p>
@@ -5924,7 +6456,7 @@
           <a:p>
             <a:fld id="{EFA2D7FA-0B25-4E1E-81B4-B0BC00DBCA6E}" type="datetimeFigureOut">
               <a:rPr lang="zh-CN" altLang="en-US" smtClean="0"/>
-              <a:t>2022/3/17</a:t>
+              <a:t>2022/3/18</a:t>
             </a:fld>
             <a:endParaRPr lang="zh-CN" altLang="en-US"/>
           </a:p>
@@ -6137,7 +6669,7 @@
           <a:p>
             <a:fld id="{EFA2D7FA-0B25-4E1E-81B4-B0BC00DBCA6E}" type="datetimeFigureOut">
               <a:rPr lang="zh-CN" altLang="en-US" smtClean="0"/>
-              <a:t>2022/3/17</a:t>
+              <a:t>2022/3/18</a:t>
             </a:fld>
             <a:endParaRPr lang="zh-CN" altLang="en-US"/>
           </a:p>
@@ -6756,7 +7288,7 @@
           <p:nvPr/>
         </p:nvPicPr>
         <p:blipFill rotWithShape="1">
-          <a:blip r:embed="rId2">
+          <a:blip r:embed="rId3">
             <a:extLst>
               <a:ext uri="{28A0092B-C50C-407E-A947-70E740481C1C}">
                 <a14:useLocalDpi xmlns:a14="http://schemas.microsoft.com/office/drawing/2010/main" val="0"/>
@@ -7013,7 +7545,7 @@
             <p:nvPr/>
           </p:nvPicPr>
           <p:blipFill rotWithShape="1">
-            <a:blip r:embed="rId2"/>
+            <a:blip r:embed="rId3"/>
             <a:srcRect b="11315"/>
             <a:stretch/>
           </p:blipFill>
@@ -7170,7 +7702,7 @@
           <p:nvPr/>
         </p:nvPicPr>
         <p:blipFill>
-          <a:blip r:embed="rId3">
+          <a:blip r:embed="rId4">
             <a:extLst>
               <a:ext uri="{28A0092B-C50C-407E-A947-70E740481C1C}">
                 <a14:useLocalDpi xmlns:a14="http://schemas.microsoft.com/office/drawing/2010/main" val="0"/>
@@ -7646,7 +8178,7 @@
                 <a:latin typeface="微软雅黑" panose="020B0503020204020204" pitchFamily="34" charset="-122"/>
                 <a:ea typeface="微软雅黑" panose="020B0503020204020204" pitchFamily="34" charset="-122"/>
               </a:rPr>
-              <a:t>Risk of operating loss in an oversupplied market</a:t>
+              <a:t>Operating loss risk in an oversupplied market</a:t>
             </a:r>
           </a:p>
           <a:p>
@@ -8241,7 +8773,7 @@
             </a:r>
             <a:r>
               <a:rPr lang="en-US" altLang="zh-CN" sz="1400" dirty="0"/>
-              <a:t>. Test the result with social media data.</a:t>
+              <a:t>. The result are tested with social media data.</a:t>
             </a:r>
           </a:p>
           <a:p>
@@ -8279,11 +8811,19 @@
             </a:pPr>
             <a:r>
               <a:rPr lang="en-US" altLang="zh-CN" sz="1400" dirty="0"/>
-              <a:t>Analyzing mismatch of operation value and location value with </a:t>
+              <a:t>Analyzing mismatch of operation and location value with </a:t>
             </a:r>
             <a:r>
               <a:rPr lang="en-US" altLang="zh-CN" sz="1400" b="1" dirty="0"/>
-              <a:t>entropy weight method</a:t>
+              <a:t>entropy weight method </a:t>
+            </a:r>
+            <a:r>
+              <a:rPr lang="en-US" altLang="zh-CN" sz="1400" dirty="0"/>
+              <a:t>and</a:t>
+            </a:r>
+            <a:r>
+              <a:rPr lang="en-US" altLang="zh-CN" sz="1400" b="1" dirty="0"/>
+              <a:t> regression model</a:t>
             </a:r>
           </a:p>
         </p:txBody>
@@ -9600,100 +10140,6 @@
           </a:graphicData>
         </a:graphic>
       </p:graphicFrame>
-      <p:pic>
-        <p:nvPicPr>
-          <p:cNvPr id="2050" name="Picture 2">
-            <a:extLst>
-              <a:ext uri="{FF2B5EF4-FFF2-40B4-BE49-F238E27FC236}">
-                <a16:creationId xmlns:a16="http://schemas.microsoft.com/office/drawing/2014/main" id="{A21DED3B-AF70-4EF6-A6B9-0B86CCBE3B62}"/>
-              </a:ext>
-            </a:extLst>
-          </p:cNvPr>
-          <p:cNvPicPr>
-            <a:picLocks noChangeAspect="1" noChangeArrowheads="1"/>
-          </p:cNvPicPr>
-          <p:nvPr/>
-        </p:nvPicPr>
-        <p:blipFill>
-          <a:blip r:embed="rId2">
-            <a:extLst>
-              <a:ext uri="{28A0092B-C50C-407E-A947-70E740481C1C}">
-                <a14:useLocalDpi xmlns:a14="http://schemas.microsoft.com/office/drawing/2010/main" val="0"/>
-              </a:ext>
-            </a:extLst>
-          </a:blip>
-          <a:srcRect/>
-          <a:stretch>
-            <a:fillRect/>
-          </a:stretch>
-        </p:blipFill>
-        <p:spPr bwMode="auto">
-          <a:xfrm>
-            <a:off x="-4005567" y="3765023"/>
-            <a:ext cx="3790764" cy="2687413"/>
-          </a:xfrm>
-          <a:prstGeom prst="rect">
-            <a:avLst/>
-          </a:prstGeom>
-          <a:noFill/>
-          <a:extLst>
-            <a:ext uri="{909E8E84-426E-40DD-AFC4-6F175D3DCCD1}">
-              <a14:hiddenFill xmlns:a14="http://schemas.microsoft.com/office/drawing/2010/main">
-                <a:solidFill>
-                  <a:srgbClr val="FFFFFF"/>
-                </a:solidFill>
-              </a14:hiddenFill>
-            </a:ext>
-          </a:extLst>
-        </p:spPr>
-      </p:pic>
-      <p:pic>
-        <p:nvPicPr>
-          <p:cNvPr id="2052" name="Picture 4">
-            <a:extLst>
-              <a:ext uri="{FF2B5EF4-FFF2-40B4-BE49-F238E27FC236}">
-                <a16:creationId xmlns:a16="http://schemas.microsoft.com/office/drawing/2014/main" id="{7AEEA78C-F882-45FC-89AD-7395EE340D57}"/>
-              </a:ext>
-            </a:extLst>
-          </p:cNvPr>
-          <p:cNvPicPr>
-            <a:picLocks noChangeAspect="1" noChangeArrowheads="1"/>
-          </p:cNvPicPr>
-          <p:nvPr/>
-        </p:nvPicPr>
-        <p:blipFill>
-          <a:blip r:embed="rId3">
-            <a:extLst>
-              <a:ext uri="{28A0092B-C50C-407E-A947-70E740481C1C}">
-                <a14:useLocalDpi xmlns:a14="http://schemas.microsoft.com/office/drawing/2010/main" val="0"/>
-              </a:ext>
-            </a:extLst>
-          </a:blip>
-          <a:srcRect/>
-          <a:stretch>
-            <a:fillRect/>
-          </a:stretch>
-        </p:blipFill>
-        <p:spPr bwMode="auto">
-          <a:xfrm>
-            <a:off x="-4939645" y="405564"/>
-            <a:ext cx="4331661" cy="2776706"/>
-          </a:xfrm>
-          <a:prstGeom prst="rect">
-            <a:avLst/>
-          </a:prstGeom>
-          <a:noFill/>
-          <a:extLst>
-            <a:ext uri="{909E8E84-426E-40DD-AFC4-6F175D3DCCD1}">
-              <a14:hiddenFill xmlns:a14="http://schemas.microsoft.com/office/drawing/2010/main">
-                <a:solidFill>
-                  <a:srgbClr val="FFFFFF"/>
-                </a:solidFill>
-              </a14:hiddenFill>
-            </a:ext>
-          </a:extLst>
-        </p:spPr>
-      </p:pic>
     </p:spTree>
     <p:extLst>
       <p:ext uri="{BB962C8B-B14F-4D97-AF65-F5344CB8AC3E}">
@@ -9834,7 +10280,7 @@
           <p:nvPr/>
         </p:nvPicPr>
         <p:blipFill rotWithShape="1">
-          <a:blip r:embed="rId2">
+          <a:blip r:embed="rId3">
             <a:extLst>
               <a:ext uri="{28A0092B-C50C-407E-A947-70E740481C1C}">
                 <a14:useLocalDpi xmlns:a14="http://schemas.microsoft.com/office/drawing/2010/main" val="0"/>
@@ -9938,15 +10384,7 @@
             </a:r>
             <a:r>
               <a:rPr lang="en-US" altLang="zh-CN" sz="1200" dirty="0"/>
-              <a:t>represents</a:t>
-            </a:r>
-            <a:r>
-              <a:rPr lang="zh-CN" altLang="en-US" sz="1200" dirty="0"/>
-              <a:t> </a:t>
-            </a:r>
-            <a:r>
-              <a:rPr lang="en-US" altLang="zh-CN" sz="1200" dirty="0"/>
-              <a:t>each neighborhood, row index is the ID of each shopping center</a:t>
+              <a:t>represent each neighborhood, row index is the ID of each shopping center</a:t>
             </a:r>
           </a:p>
         </p:txBody>
@@ -10511,7 +10949,7 @@
           <a:p>
             <a:r>
               <a:rPr lang="en-US" altLang="zh-CN" dirty="0"/>
-              <a:t>If NOI&lt;=0, the shopping center is classified as an asset with high operating loss risk(1)</a:t>
+              <a:t>If NOI&lt;=0, the shopping center is classified with high operating loss risk(1)</a:t>
             </a:r>
           </a:p>
           <a:p>
@@ -11224,8 +11662,8 @@
         </p:nvSpPr>
         <p:spPr>
           <a:xfrm>
-            <a:off x="3067153" y="5661500"/>
-            <a:ext cx="3108976" cy="738664"/>
+            <a:off x="2814644" y="5658791"/>
+            <a:ext cx="3682437" cy="523220"/>
           </a:xfrm>
           <a:prstGeom prst="rect">
             <a:avLst/>
@@ -11255,7 +11693,7 @@
                   <a:schemeClr val="bg1"/>
                 </a:solidFill>
               </a:rPr>
-              <a:t>Number of identified malls(X)</a:t>
+              <a:t>Number of identified malls (X)</a:t>
             </a:r>
           </a:p>
           <a:p>
@@ -11269,7 +11707,7 @@
                   <a:schemeClr val="bg1"/>
                 </a:solidFill>
               </a:rPr>
-              <a:t>Two lists of malls with high risk and low risk</a:t>
+              <a:t>Two lists of malls with high and low risk</a:t>
             </a:r>
             <a:endParaRPr lang="zh-CN" altLang="en-US" dirty="0">
               <a:solidFill>
@@ -11619,8 +12057,8 @@
         </p:nvSpPr>
         <p:spPr>
           <a:xfrm>
-            <a:off x="2236500" y="3652691"/>
-            <a:ext cx="3108976" cy="523220"/>
+            <a:off x="1981971" y="3652691"/>
+            <a:ext cx="3334741" cy="523220"/>
           </a:xfrm>
           <a:prstGeom prst="rect">
             <a:avLst/>
@@ -11645,7 +12083,7 @@
           <a:p>
             <a:r>
               <a:rPr lang="en-US" altLang="zh-CN" dirty="0"/>
-              <a:t>Subset [X] malls with smallest index as malls with high operating loss risk</a:t>
+              <a:t>Subset [X] number of malls with smallest index as high operating loss risk</a:t>
             </a:r>
           </a:p>
         </p:txBody>
@@ -11695,7 +12133,7 @@
                   <a:schemeClr val="bg1"/>
                 </a:solidFill>
               </a:rPr>
-              <a:t>List of malls with risk</a:t>
+              <a:t>List of malls with high risk</a:t>
             </a:r>
           </a:p>
           <a:p>
@@ -11709,7 +12147,7 @@
                   <a:schemeClr val="bg1"/>
                 </a:solidFill>
               </a:rPr>
-              <a:t>List of malls without risk</a:t>
+              <a:t>List of malls with low risk</a:t>
             </a:r>
             <a:endParaRPr lang="zh-CN" altLang="en-US" dirty="0">
               <a:solidFill>
@@ -12112,7 +12550,7 @@
           <p:nvPr/>
         </p:nvPicPr>
         <p:blipFill>
-          <a:blip r:embed="rId2">
+          <a:blip r:embed="rId3">
             <a:extLst>
               <a:ext uri="{28A0092B-C50C-407E-A947-70E740481C1C}">
                 <a14:useLocalDpi xmlns:a14="http://schemas.microsoft.com/office/drawing/2010/main" val="0"/>
@@ -12168,7 +12606,7 @@
         </p:xfrm>
         <a:graphic>
           <a:graphicData uri="http://schemas.openxmlformats.org/drawingml/2006/chart">
-            <c:chart xmlns:c="http://schemas.openxmlformats.org/drawingml/2006/chart" xmlns:r="http://schemas.openxmlformats.org/officeDocument/2006/relationships" r:id="rId3"/>
+            <c:chart xmlns:c="http://schemas.openxmlformats.org/drawingml/2006/chart" xmlns:r="http://schemas.openxmlformats.org/officeDocument/2006/relationships" r:id="rId4"/>
           </a:graphicData>
         </a:graphic>
       </p:graphicFrame>
@@ -12582,145 +13020,6 @@
           <a:chExt cx="0" cy="0"/>
         </a:xfrm>
       </p:grpSpPr>
-      <p:sp>
-        <p:nvSpPr>
-          <p:cNvPr id="5" name="TextBox 4">
-            <a:extLst>
-              <a:ext uri="{FF2B5EF4-FFF2-40B4-BE49-F238E27FC236}">
-                <a16:creationId xmlns:a16="http://schemas.microsoft.com/office/drawing/2014/main" id="{44E88134-3035-4476-8E3E-08D49FA23666}"/>
-              </a:ext>
-            </a:extLst>
-          </p:cNvPr>
-          <p:cNvSpPr txBox="1"/>
-          <p:nvPr/>
-        </p:nvSpPr>
-        <p:spPr>
-          <a:xfrm>
-            <a:off x="247463" y="550791"/>
-            <a:ext cx="9100720" cy="615553"/>
-          </a:xfrm>
-          <a:prstGeom prst="rect">
-            <a:avLst/>
-          </a:prstGeom>
-          <a:noFill/>
-        </p:spPr>
-        <p:txBody>
-          <a:bodyPr wrap="square">
-            <a:spAutoFit/>
-          </a:bodyPr>
-          <a:lstStyle/>
-          <a:p>
-            <a:r>
-              <a:rPr lang="en-US" altLang="zh-CN" b="1" kern="100" dirty="0">
-                <a:latin typeface="微软雅黑" panose="020B0503020204020204" pitchFamily="34" charset="-122"/>
-                <a:ea typeface="微软雅黑" panose="020B0503020204020204" pitchFamily="34" charset="-122"/>
-                <a:cs typeface="Times New Roman" panose="02020603050405020304" pitchFamily="18" charset="0"/>
-              </a:rPr>
-              <a:t>Data exploration</a:t>
-            </a:r>
-          </a:p>
-          <a:p>
-            <a:r>
-              <a:rPr lang="en-US" altLang="zh-CN" sz="1600" b="1" kern="100" dirty="0">
-                <a:solidFill>
-                  <a:schemeClr val="bg2">
-                    <a:lumMod val="75000"/>
-                  </a:schemeClr>
-                </a:solidFill>
-                <a:latin typeface="微软雅黑" panose="020B0503020204020204" pitchFamily="34" charset="-122"/>
-                <a:ea typeface="微软雅黑" panose="020B0503020204020204" pitchFamily="34" charset="-122"/>
-                <a:cs typeface="Times New Roman" panose="02020603050405020304" pitchFamily="18" charset="0"/>
-              </a:rPr>
-              <a:t>Surplus malls locate at suburban neighborhoods where consumption capacity is small</a:t>
-            </a:r>
-          </a:p>
-        </p:txBody>
-      </p:sp>
-      <p:cxnSp>
-        <p:nvCxnSpPr>
-          <p:cNvPr id="10" name="Straight Connector 9">
-            <a:extLst>
-              <a:ext uri="{FF2B5EF4-FFF2-40B4-BE49-F238E27FC236}">
-                <a16:creationId xmlns:a16="http://schemas.microsoft.com/office/drawing/2014/main" id="{3550F056-6106-4699-B9EE-57B0475EF8FE}"/>
-              </a:ext>
-            </a:extLst>
-          </p:cNvPr>
-          <p:cNvCxnSpPr/>
-          <p:nvPr/>
-        </p:nvCxnSpPr>
-        <p:spPr>
-          <a:xfrm>
-            <a:off x="247463" y="577425"/>
-            <a:ext cx="0" cy="496774"/>
-          </a:xfrm>
-          <a:prstGeom prst="line">
-            <a:avLst/>
-          </a:prstGeom>
-          <a:ln w="38100">
-            <a:solidFill>
-              <a:srgbClr val="C00000"/>
-            </a:solidFill>
-          </a:ln>
-        </p:spPr>
-        <p:style>
-          <a:lnRef idx="1">
-            <a:schemeClr val="accent1"/>
-          </a:lnRef>
-          <a:fillRef idx="0">
-            <a:schemeClr val="accent1"/>
-          </a:fillRef>
-          <a:effectRef idx="0">
-            <a:schemeClr val="accent1"/>
-          </a:effectRef>
-          <a:fontRef idx="minor">
-            <a:schemeClr val="tx1"/>
-          </a:fontRef>
-        </p:style>
-      </p:cxnSp>
-      <p:sp>
-        <p:nvSpPr>
-          <p:cNvPr id="8" name="TextBox 7">
-            <a:extLst>
-              <a:ext uri="{FF2B5EF4-FFF2-40B4-BE49-F238E27FC236}">
-                <a16:creationId xmlns:a16="http://schemas.microsoft.com/office/drawing/2014/main" id="{297377E6-974B-4A60-AA7F-214DC7CD78D4}"/>
-              </a:ext>
-            </a:extLst>
-          </p:cNvPr>
-          <p:cNvSpPr txBox="1"/>
-          <p:nvPr/>
-        </p:nvSpPr>
-        <p:spPr>
-          <a:xfrm>
-            <a:off x="247462" y="1725390"/>
-            <a:ext cx="3645807" cy="1384995"/>
-          </a:xfrm>
-          <a:prstGeom prst="rect">
-            <a:avLst/>
-          </a:prstGeom>
-          <a:noFill/>
-        </p:spPr>
-        <p:txBody>
-          <a:bodyPr wrap="square" rtlCol="0">
-            <a:spAutoFit/>
-          </a:bodyPr>
-          <a:lstStyle/>
-          <a:p>
-            <a:r>
-              <a:rPr lang="en-US" altLang="zh-CN" sz="1400" dirty="0"/>
-              <a:t>Malls with high loss risk are mostly located at suburban area where the total consumption capacity is small.</a:t>
-            </a:r>
-          </a:p>
-          <a:p>
-            <a:endParaRPr lang="en-US" altLang="zh-CN" sz="1400" dirty="0"/>
-          </a:p>
-          <a:p>
-            <a:r>
-              <a:rPr lang="en-US" altLang="zh-CN" sz="1400" dirty="0"/>
-              <a:t>Others are located at urban center periphery where the market is competitive.</a:t>
-            </a:r>
-          </a:p>
-        </p:txBody>
-      </p:sp>
       <p:grpSp>
         <p:nvGrpSpPr>
           <p:cNvPr id="2" name="Group 1">
@@ -12856,7 +13155,7 @@
           <p:spPr>
             <a:xfrm>
               <a:off x="7272612" y="2911870"/>
-              <a:ext cx="877086" cy="233761"/>
+              <a:ext cx="1061133" cy="233761"/>
             </a:xfrm>
             <a:prstGeom prst="rect">
               <a:avLst/>
@@ -12895,7 +13194,7 @@
                     <a:schemeClr val="tx1"/>
                   </a:solidFill>
                 </a:rPr>
-                <a:t>Surplus-No</a:t>
+                <a:t>High loss risk</a:t>
               </a:r>
               <a:endParaRPr lang="zh-CN" altLang="en-US" sz="900" dirty="0">
                 <a:solidFill>
@@ -12920,7 +13219,7 @@
           <p:spPr>
             <a:xfrm>
               <a:off x="7272612" y="3818035"/>
-              <a:ext cx="877086" cy="233761"/>
+              <a:ext cx="1061133" cy="191724"/>
             </a:xfrm>
             <a:prstGeom prst="rect">
               <a:avLst/>
@@ -12959,7 +13258,7 @@
                     <a:schemeClr val="tx1"/>
                   </a:solidFill>
                 </a:rPr>
-                <a:t>Surplus-Yes</a:t>
+                <a:t>Low loss risk</a:t>
               </a:r>
               <a:endParaRPr lang="zh-CN" altLang="en-US" sz="900" dirty="0">
                 <a:solidFill>
@@ -13034,6 +13333,145 @@
           </p:txBody>
         </p:sp>
       </p:grpSp>
+      <p:sp>
+        <p:nvSpPr>
+          <p:cNvPr id="5" name="TextBox 4">
+            <a:extLst>
+              <a:ext uri="{FF2B5EF4-FFF2-40B4-BE49-F238E27FC236}">
+                <a16:creationId xmlns:a16="http://schemas.microsoft.com/office/drawing/2014/main" id="{44E88134-3035-4476-8E3E-08D49FA23666}"/>
+              </a:ext>
+            </a:extLst>
+          </p:cNvPr>
+          <p:cNvSpPr txBox="1"/>
+          <p:nvPr/>
+        </p:nvSpPr>
+        <p:spPr>
+          <a:xfrm>
+            <a:off x="247463" y="550791"/>
+            <a:ext cx="9100720" cy="615553"/>
+          </a:xfrm>
+          <a:prstGeom prst="rect">
+            <a:avLst/>
+          </a:prstGeom>
+          <a:noFill/>
+        </p:spPr>
+        <p:txBody>
+          <a:bodyPr wrap="square">
+            <a:spAutoFit/>
+          </a:bodyPr>
+          <a:lstStyle/>
+          <a:p>
+            <a:r>
+              <a:rPr lang="en-US" altLang="zh-CN" b="1" kern="100" dirty="0">
+                <a:latin typeface="微软雅黑" panose="020B0503020204020204" pitchFamily="34" charset="-122"/>
+                <a:ea typeface="微软雅黑" panose="020B0503020204020204" pitchFamily="34" charset="-122"/>
+                <a:cs typeface="Times New Roman" panose="02020603050405020304" pitchFamily="18" charset="0"/>
+              </a:rPr>
+              <a:t>Data exploration</a:t>
+            </a:r>
+          </a:p>
+          <a:p>
+            <a:r>
+              <a:rPr lang="en-US" altLang="zh-CN" sz="1600" b="1" kern="100" dirty="0">
+                <a:solidFill>
+                  <a:schemeClr val="bg2">
+                    <a:lumMod val="75000"/>
+                  </a:schemeClr>
+                </a:solidFill>
+                <a:latin typeface="微软雅黑" panose="020B0503020204020204" pitchFamily="34" charset="-122"/>
+                <a:ea typeface="微软雅黑" panose="020B0503020204020204" pitchFamily="34" charset="-122"/>
+                <a:cs typeface="Times New Roman" panose="02020603050405020304" pitchFamily="18" charset="0"/>
+              </a:rPr>
+              <a:t>Surplus malls locate at suburban neighborhoods where consumption capacity is small</a:t>
+            </a:r>
+          </a:p>
+        </p:txBody>
+      </p:sp>
+      <p:cxnSp>
+        <p:nvCxnSpPr>
+          <p:cNvPr id="10" name="Straight Connector 9">
+            <a:extLst>
+              <a:ext uri="{FF2B5EF4-FFF2-40B4-BE49-F238E27FC236}">
+                <a16:creationId xmlns:a16="http://schemas.microsoft.com/office/drawing/2014/main" id="{3550F056-6106-4699-B9EE-57B0475EF8FE}"/>
+              </a:ext>
+            </a:extLst>
+          </p:cNvPr>
+          <p:cNvCxnSpPr/>
+          <p:nvPr/>
+        </p:nvCxnSpPr>
+        <p:spPr>
+          <a:xfrm>
+            <a:off x="247463" y="577425"/>
+            <a:ext cx="0" cy="496774"/>
+          </a:xfrm>
+          <a:prstGeom prst="line">
+            <a:avLst/>
+          </a:prstGeom>
+          <a:ln w="38100">
+            <a:solidFill>
+              <a:srgbClr val="C00000"/>
+            </a:solidFill>
+          </a:ln>
+        </p:spPr>
+        <p:style>
+          <a:lnRef idx="1">
+            <a:schemeClr val="accent1"/>
+          </a:lnRef>
+          <a:fillRef idx="0">
+            <a:schemeClr val="accent1"/>
+          </a:fillRef>
+          <a:effectRef idx="0">
+            <a:schemeClr val="accent1"/>
+          </a:effectRef>
+          <a:fontRef idx="minor">
+            <a:schemeClr val="tx1"/>
+          </a:fontRef>
+        </p:style>
+      </p:cxnSp>
+      <p:sp>
+        <p:nvSpPr>
+          <p:cNvPr id="8" name="TextBox 7">
+            <a:extLst>
+              <a:ext uri="{FF2B5EF4-FFF2-40B4-BE49-F238E27FC236}">
+                <a16:creationId xmlns:a16="http://schemas.microsoft.com/office/drawing/2014/main" id="{297377E6-974B-4A60-AA7F-214DC7CD78D4}"/>
+              </a:ext>
+            </a:extLst>
+          </p:cNvPr>
+          <p:cNvSpPr txBox="1"/>
+          <p:nvPr/>
+        </p:nvSpPr>
+        <p:spPr>
+          <a:xfrm>
+            <a:off x="247462" y="1725390"/>
+            <a:ext cx="3645807" cy="1384995"/>
+          </a:xfrm>
+          <a:prstGeom prst="rect">
+            <a:avLst/>
+          </a:prstGeom>
+          <a:noFill/>
+        </p:spPr>
+        <p:txBody>
+          <a:bodyPr wrap="square" rtlCol="0">
+            <a:spAutoFit/>
+          </a:bodyPr>
+          <a:lstStyle/>
+          <a:p>
+            <a:r>
+              <a:rPr lang="en-US" altLang="zh-CN" sz="1400" dirty="0"/>
+              <a:t>Malls with high loss risk are mostly located at suburban area where the total consumption capacity is small.</a:t>
+            </a:r>
+          </a:p>
+          <a:p>
+            <a:endParaRPr lang="en-US" altLang="zh-CN" sz="1400" dirty="0"/>
+          </a:p>
+          <a:p>
+            <a:r>
+              <a:rPr lang="en-US" altLang="zh-CN" sz="1400" dirty="0"/>
+              <a:t>Others are located at urban center periphery where the market is competitive.</a:t>
+            </a:r>
+          </a:p>
+        </p:txBody>
+      </p:sp>
       <p:pic>
         <p:nvPicPr>
           <p:cNvPr id="13" name="Picture 2">

--- a/Mid Point Pre.pptx
+++ b/Mid Point Pre.pptx
@@ -3724,7 +3724,15 @@
             </a:pPr>
             <a:r>
               <a:rPr lang="en-US" altLang="zh-CN" dirty="0"/>
-              <a:t>In Shanghai, the number of shopping centers is booming since 2009 and the vacancy rate increases recent year. Since the market is oversupplied and competitive. There is high operating loss risk and follows with mismatch of operation and location value. </a:t>
+              <a:t>In Shanghai, the number of shopping centers is </a:t>
+            </a:r>
+            <a:r>
+              <a:rPr lang="en-US" altLang="zh-CN"/>
+              <a:t>booming and </a:t>
+            </a:r>
+            <a:r>
+              <a:rPr lang="en-US" altLang="zh-CN" dirty="0"/>
+              <a:t>the vacancy rate increases recent year. Since the market is oversupplied and competitive. There is high operating loss risk and follows with mismatch of operation and location value. </a:t>
             </a:r>
             <a:r>
               <a:rPr lang="en-US" altLang="zh-CN" sz="1200" b="1" dirty="0">
@@ -4081,7 +4089,7 @@
           <a:p>
             <a:r>
               <a:rPr lang="en-US" altLang="zh-CN" dirty="0"/>
-              <a:t>The model identified 57 shopping centers with high risk out of almost 400, which accounts for 15 percent. Seeing from the confusion matrix, the overall accuracy is 86%. However, the current model has limited accuracy to identify shopping centers with high loss risk.</a:t>
+              <a:t>The model identified 57 shopping centers with high risk out of almost 400, which accounts for 15 percent. Seeing from the confusion matrix, the overall accuracy is 86%. Since input data is before 2020 and accuracy test data is up to data. It seems that the model could predict loss risk before the construction of a new project. However, it has limited accuracy to identify shopping centers with high loss risk.</a:t>
             </a:r>
             <a:endParaRPr lang="zh-CN" altLang="en-US" dirty="0"/>
           </a:p>
